--- a/LendingClubSupvLCapstoneDHW.pptx
+++ b/LendingClubSupvLCapstoneDHW.pptx
@@ -310,7 +310,7 @@
             <a:fld id="{9193E919-2CD1-D640-8ED4-A8152FFCDE0A}" type="datetimeFigureOut">
               <a:rPr lang="en-US" smtClean="0"/>
               <a:pPr/>
-              <a:t>1/17/18</a:t>
+              <a:t>1/18/18</a:t>
             </a:fld>
             <a:endParaRPr lang="en-US"/>
           </a:p>
@@ -477,7 +477,7 @@
             <a:fld id="{9193E919-2CD1-D640-8ED4-A8152FFCDE0A}" type="datetimeFigureOut">
               <a:rPr lang="en-US" smtClean="0"/>
               <a:pPr/>
-              <a:t>1/17/18</a:t>
+              <a:t>1/18/18</a:t>
             </a:fld>
             <a:endParaRPr lang="en-US"/>
           </a:p>
@@ -654,7 +654,7 @@
             <a:fld id="{9193E919-2CD1-D640-8ED4-A8152FFCDE0A}" type="datetimeFigureOut">
               <a:rPr lang="en-US" smtClean="0"/>
               <a:pPr/>
-              <a:t>1/17/18</a:t>
+              <a:t>1/18/18</a:t>
             </a:fld>
             <a:endParaRPr lang="en-US"/>
           </a:p>
@@ -821,7 +821,7 @@
             <a:fld id="{9193E919-2CD1-D640-8ED4-A8152FFCDE0A}" type="datetimeFigureOut">
               <a:rPr lang="en-US" smtClean="0"/>
               <a:pPr/>
-              <a:t>1/17/18</a:t>
+              <a:t>1/18/18</a:t>
             </a:fld>
             <a:endParaRPr lang="en-US"/>
           </a:p>
@@ -1064,7 +1064,7 @@
             <a:fld id="{9193E919-2CD1-D640-8ED4-A8152FFCDE0A}" type="datetimeFigureOut">
               <a:rPr lang="en-US" smtClean="0"/>
               <a:pPr/>
-              <a:t>1/17/18</a:t>
+              <a:t>1/18/18</a:t>
             </a:fld>
             <a:endParaRPr lang="en-US"/>
           </a:p>
@@ -1349,7 +1349,7 @@
             <a:fld id="{9193E919-2CD1-D640-8ED4-A8152FFCDE0A}" type="datetimeFigureOut">
               <a:rPr lang="en-US" smtClean="0"/>
               <a:pPr/>
-              <a:t>1/17/18</a:t>
+              <a:t>1/18/18</a:t>
             </a:fld>
             <a:endParaRPr lang="en-US"/>
           </a:p>
@@ -1768,7 +1768,7 @@
             <a:fld id="{9193E919-2CD1-D640-8ED4-A8152FFCDE0A}" type="datetimeFigureOut">
               <a:rPr lang="en-US" smtClean="0"/>
               <a:pPr/>
-              <a:t>1/17/18</a:t>
+              <a:t>1/18/18</a:t>
             </a:fld>
             <a:endParaRPr lang="en-US"/>
           </a:p>
@@ -1883,7 +1883,7 @@
             <a:fld id="{9193E919-2CD1-D640-8ED4-A8152FFCDE0A}" type="datetimeFigureOut">
               <a:rPr lang="en-US" smtClean="0"/>
               <a:pPr/>
-              <a:t>1/17/18</a:t>
+              <a:t>1/18/18</a:t>
             </a:fld>
             <a:endParaRPr lang="en-US"/>
           </a:p>
@@ -1975,7 +1975,7 @@
             <a:fld id="{9193E919-2CD1-D640-8ED4-A8152FFCDE0A}" type="datetimeFigureOut">
               <a:rPr lang="en-US" smtClean="0"/>
               <a:pPr/>
-              <a:t>1/17/18</a:t>
+              <a:t>1/18/18</a:t>
             </a:fld>
             <a:endParaRPr lang="en-US"/>
           </a:p>
@@ -2249,7 +2249,7 @@
             <a:fld id="{9193E919-2CD1-D640-8ED4-A8152FFCDE0A}" type="datetimeFigureOut">
               <a:rPr lang="en-US" smtClean="0"/>
               <a:pPr/>
-              <a:t>1/17/18</a:t>
+              <a:t>1/18/18</a:t>
             </a:fld>
             <a:endParaRPr lang="en-US"/>
           </a:p>
@@ -2499,7 +2499,7 @@
             <a:fld id="{9193E919-2CD1-D640-8ED4-A8152FFCDE0A}" type="datetimeFigureOut">
               <a:rPr lang="en-US" smtClean="0"/>
               <a:pPr/>
-              <a:t>1/17/18</a:t>
+              <a:t>1/18/18</a:t>
             </a:fld>
             <a:endParaRPr lang="en-US"/>
           </a:p>
@@ -2709,7 +2709,7 @@
             <a:fld id="{9193E919-2CD1-D640-8ED4-A8152FFCDE0A}" type="datetimeFigureOut">
               <a:rPr lang="en-US" smtClean="0"/>
               <a:pPr/>
-              <a:t>1/17/18</a:t>
+              <a:t>1/18/18</a:t>
             </a:fld>
             <a:endParaRPr lang="en-US"/>
           </a:p>
@@ -3097,11 +3097,7 @@
           <a:p>
             <a:r>
               <a:rPr lang="en-US" dirty="0" smtClean="0"/>
-              <a:t>A Rejoinder to </a:t>
-            </a:r>
-            <a:r>
-              <a:rPr lang="en-US" dirty="0" err="1" smtClean="0"/>
-              <a:t>Polonious</a:t>
+              <a:t>A Rejoinder to Polonius</a:t>
             </a:r>
             <a:endParaRPr lang="en-US" dirty="0"/>
           </a:p>
@@ -3442,8 +3438,8 @@
         </p:blipFill>
         <p:spPr>
           <a:xfrm>
-            <a:off x="457200" y="674078"/>
-            <a:ext cx="8229600" cy="5452086"/>
+            <a:off x="-332154" y="674078"/>
+            <a:ext cx="9476154" cy="6183922"/>
           </a:xfrm>
         </p:spPr>
       </p:pic>
@@ -3772,13 +3768,12 @@
               <a:rPr lang="en-US" dirty="0" smtClean="0"/>
               <a:t> </a:t>
             </a:r>
-            <a:endParaRPr lang="en-US" dirty="0" smtClean="0"/>
           </a:p>
         </p:txBody>
       </p:sp>
       <p:pic>
         <p:nvPicPr>
-          <p:cNvPr id="7" name="Picture 6" descr="loanSeabornPairwise.png"/>
+          <p:cNvPr id="6" name="Picture 5" descr="loanSeabornPairwise.png"/>
           <p:cNvPicPr>
             <a:picLocks noChangeAspect="1"/>
           </p:cNvPicPr>
@@ -3792,8 +3787,8 @@
         </p:blipFill>
         <p:spPr>
           <a:xfrm>
-            <a:off x="127000" y="371231"/>
-            <a:ext cx="8763000" cy="6486769"/>
+            <a:off x="164122" y="371231"/>
+            <a:ext cx="8823570" cy="6453554"/>
           </a:xfrm>
           <a:prstGeom prst="rect">
             <a:avLst/>
@@ -3962,11 +3957,7 @@
           <a:p>
             <a:r>
               <a:rPr lang="en-US" dirty="0" smtClean="0"/>
-              <a:t>Model </a:t>
-            </a:r>
-            <a:r>
-              <a:rPr lang="en-US" dirty="0" smtClean="0"/>
-              <a:t>Performance</a:t>
+              <a:t>Model Performance</a:t>
             </a:r>
             <a:endParaRPr lang="en-US" dirty="0"/>
           </a:p>
@@ -3991,7 +3982,6 @@
               <a:rPr lang="en-US" dirty="0" smtClean="0"/>
               <a:t>Accuracy in perspective – compare to balance of target: </a:t>
             </a:r>
-            <a:endParaRPr lang="en-US" dirty="0" smtClean="0"/>
           </a:p>
           <a:p>
             <a:pPr lvl="1">
@@ -3999,31 +3989,7 @@
             </a:pPr>
             <a:r>
               <a:rPr lang="en-US" dirty="0" smtClean="0"/>
-              <a:t>104</a:t>
-            </a:r>
-            <a:r>
-              <a:rPr lang="en-US" dirty="0" smtClean="0"/>
-              <a:t>,036 </a:t>
-            </a:r>
-            <a:r>
-              <a:rPr lang="en-US" dirty="0" smtClean="0"/>
-              <a:t>not defaulted /</a:t>
-            </a:r>
-            <a:r>
-              <a:rPr lang="en-US" dirty="0" smtClean="0"/>
-              <a:t> </a:t>
-            </a:r>
-            <a:r>
-              <a:rPr lang="en-US" dirty="0" smtClean="0"/>
-              <a:t>142,785</a:t>
-            </a:r>
-            <a:r>
-              <a:rPr lang="en-US" dirty="0" smtClean="0"/>
-              <a:t> </a:t>
-            </a:r>
-            <a:r>
-              <a:rPr lang="en-US" dirty="0" smtClean="0"/>
-              <a:t>loans = </a:t>
+              <a:t>104,036 not defaulted / 142,785 loans = </a:t>
             </a:r>
           </a:p>
           <a:p>
@@ -4036,11 +4002,7 @@
             </a:r>
             <a:r>
               <a:rPr lang="en-US" dirty="0" smtClean="0"/>
-              <a:t> </a:t>
-            </a:r>
-            <a:r>
-              <a:rPr lang="en-US" dirty="0" smtClean="0"/>
-              <a:t>of the target variable is “False”</a:t>
+              <a:t> of the target variable is “False”</a:t>
             </a:r>
             <a:endParaRPr lang="en-US" dirty="0"/>
           </a:p>
@@ -4102,11 +4064,7 @@
           <a:p>
             <a:r>
               <a:rPr lang="en-US" dirty="0" smtClean="0"/>
-              <a:t>Model </a:t>
-            </a:r>
-            <a:r>
-              <a:rPr lang="en-US" dirty="0" smtClean="0"/>
-              <a:t>Performance II</a:t>
+              <a:t>Model Performance II</a:t>
             </a:r>
             <a:endParaRPr lang="en-US" dirty="0"/>
           </a:p>
@@ -4449,15 +4407,7 @@
             </a:pPr>
             <a:r>
               <a:rPr lang="en-US" dirty="0" smtClean="0"/>
-              <a:t>                      </a:t>
-            </a:r>
-            <a:r>
-              <a:rPr lang="en-US" dirty="0" err="1" smtClean="0"/>
-              <a:t>Polonious</a:t>
-            </a:r>
-            <a:r>
-              <a:rPr lang="en-US" dirty="0" smtClean="0"/>
-              <a:t>, in </a:t>
+              <a:t>                      Polonius, in </a:t>
             </a:r>
             <a:r>
               <a:rPr lang="en-US" i="1" dirty="0" smtClean="0"/>
@@ -4660,8 +4610,8 @@
               <a:t>To </a:t>
             </a:r>
             <a:r>
-              <a:rPr lang="en-US" dirty="0" err="1" smtClean="0"/>
-              <a:t>Polonious</a:t>
+              <a:rPr lang="en-US" dirty="0" smtClean="0"/>
+              <a:t>Polonius</a:t>
             </a:r>
             <a:r>
               <a:rPr lang="en-US" dirty="0" smtClean="0"/>
@@ -4762,7 +4712,7 @@
       </p:sp>
       <p:pic>
         <p:nvPicPr>
-          <p:cNvPr id="4" name="Content Placeholder 3" descr="loanIntRateVPredictedDefault.png"/>
+          <p:cNvPr id="6" name="Content Placeholder 5" descr="loanIntRateVpredictedDefault.png"/>
           <p:cNvPicPr>
             <a:picLocks noGrp="1" noChangeAspect="1"/>
           </p:cNvPicPr>
@@ -4772,15 +4722,15 @@
         </p:nvPicPr>
         <p:blipFill>
           <a:blip r:embed="rId2"/>
-          <a:srcRect t="-9087" b="-9087"/>
+          <a:srcRect l="-14039" r="-14039"/>
           <a:stretch>
             <a:fillRect/>
           </a:stretch>
         </p:blipFill>
         <p:spPr>
           <a:xfrm>
-            <a:off x="457200" y="156308"/>
-            <a:ext cx="8229600" cy="6701692"/>
+            <a:off x="-840155" y="683846"/>
+            <a:ext cx="10941539" cy="6037385"/>
           </a:xfrm>
         </p:spPr>
       </p:pic>
@@ -4958,6 +4908,13 @@
           <a:p>
             <a:r>
               <a:rPr lang="en-US" dirty="0" smtClean="0"/>
+              <a:t>Peer Lender</a:t>
+            </a:r>
+            <a:endParaRPr lang="en-US" dirty="0" smtClean="0"/>
+          </a:p>
+          <a:p>
+            <a:r>
+              <a:rPr lang="en-US" dirty="0" smtClean="0"/>
               <a:t>Borrower</a:t>
             </a:r>
           </a:p>
@@ -5161,11 +5118,7 @@
             </a:r>
             <a:r>
               <a:rPr lang="en-US" dirty="0" smtClean="0"/>
-              <a:t> </a:t>
-            </a:r>
-            <a:r>
-              <a:rPr lang="en-US" dirty="0" smtClean="0"/>
-              <a:t>Analysis I</a:t>
+              <a:t> Analysis I</a:t>
             </a:r>
             <a:endParaRPr lang="en-US" dirty="0"/>
           </a:p>
@@ -5173,7 +5126,7 @@
       </p:sp>
       <p:pic>
         <p:nvPicPr>
-          <p:cNvPr id="4" name="Content Placeholder 3" descr="LoanAmountKDE.png"/>
+          <p:cNvPr id="6" name="Content Placeholder 5" descr="LoanAmountKDE.png"/>
           <p:cNvPicPr>
             <a:picLocks noGrp="1" noChangeAspect="1"/>
           </p:cNvPicPr>
@@ -5183,7 +5136,7 @@
         </p:nvPicPr>
         <p:blipFill>
           <a:blip r:embed="rId2"/>
-          <a:srcRect l="-7277" r="-7277"/>
+          <a:srcRect l="-8414" r="-8414"/>
           <a:stretch>
             <a:fillRect/>
           </a:stretch>
@@ -5260,7 +5213,7 @@
       </p:sp>
       <p:pic>
         <p:nvPicPr>
-          <p:cNvPr id="4" name="Content Placeholder 3" descr="loanIntRate.png"/>
+          <p:cNvPr id="6" name="Content Placeholder 5" descr="loanIntRate.png"/>
           <p:cNvPicPr>
             <a:picLocks noGrp="1" noChangeAspect="1"/>
           </p:cNvPicPr>
@@ -5270,7 +5223,7 @@
         </p:nvPicPr>
         <p:blipFill>
           <a:blip r:embed="rId2"/>
-          <a:srcRect l="-10133" r="-10133"/>
+          <a:srcRect l="-11224" r="-11224"/>
           <a:stretch>
             <a:fillRect/>
           </a:stretch>
